--- a/gilbert/images/kmeansStep.pptx
+++ b/gilbert/images/kmeansStep.pptx
@@ -3246,7 +3246,7 @@
           <a:graphicData uri="http://schemas.openxmlformats.org/presentationml/2006/ole">
             <mc:AlternateContent xmlns:mc="http://schemas.openxmlformats.org/markup-compatibility/2006">
               <mc:Choice xmlns:v="urn:schemas-microsoft-com:vml" Requires="v">
-                <p:oleObj spid="_x0000_s1199" name="Equation" r:id="rId3" imgW="863600" imgH="292100" progId="Equation.3">
+                <p:oleObj spid="_x0000_s1206" name="Equation" r:id="rId3" imgW="863600" imgH="292100" progId="Equation.3">
                   <p:embed/>
                 </p:oleObj>
               </mc:Choice>
@@ -3424,7 +3424,7 @@
           <a:graphicData uri="http://schemas.openxmlformats.org/presentationml/2006/ole">
             <mc:AlternateContent xmlns:mc="http://schemas.openxmlformats.org/markup-compatibility/2006">
               <mc:Choice xmlns:v="urn:schemas-microsoft-com:vml" Requires="v">
-                <p:oleObj spid="_x0000_s1200" name="Equation" r:id="rId5" imgW="952500" imgH="292100" progId="Equation.3">
+                <p:oleObj spid="_x0000_s1207" name="Equation" r:id="rId5" imgW="952500" imgH="292100" progId="Equation.3">
                   <p:embed/>
                 </p:oleObj>
               </mc:Choice>
@@ -3796,7 +3796,7 @@
           <a:graphicData uri="http://schemas.openxmlformats.org/presentationml/2006/ole">
             <mc:AlternateContent xmlns:mc="http://schemas.openxmlformats.org/markup-compatibility/2006">
               <mc:Choice xmlns:v="urn:schemas-microsoft-com:vml" Requires="v">
-                <p:oleObj spid="_x0000_s1201" name="Equation" r:id="rId7" imgW="2209800" imgH="381000" progId="Equation.3">
+                <p:oleObj spid="_x0000_s1208" name="Equation" r:id="rId7" imgW="2209800" imgH="381000" progId="Equation.3">
                   <p:embed/>
                 </p:oleObj>
               </mc:Choice>
@@ -3853,7 +3853,7 @@
           <a:graphicData uri="http://schemas.openxmlformats.org/presentationml/2006/ole">
             <mc:AlternateContent xmlns:mc="http://schemas.openxmlformats.org/markup-compatibility/2006">
               <mc:Choice xmlns:v="urn:schemas-microsoft-com:vml" Requires="v">
-                <p:oleObj spid="_x0000_s1202" name="Equation" r:id="rId9" imgW="635000" imgH="330200" progId="Equation.3">
+                <p:oleObj spid="_x0000_s1209" name="Equation" r:id="rId9" imgW="635000" imgH="330200" progId="Equation.3">
                   <p:embed/>
                 </p:oleObj>
               </mc:Choice>
@@ -3910,7 +3910,7 @@
           <a:graphicData uri="http://schemas.openxmlformats.org/presentationml/2006/ole">
             <mc:AlternateContent xmlns:mc="http://schemas.openxmlformats.org/markup-compatibility/2006">
               <mc:Choice xmlns:v="urn:schemas-microsoft-com:vml" Requires="v">
-                <p:oleObj spid="_x0000_s1203" name="Equation" r:id="rId11" imgW="2247900" imgH="457200" progId="Equation.3">
+                <p:oleObj spid="_x0000_s1210" name="Equation" r:id="rId11" imgW="2247900" imgH="457200" progId="Equation.3">
                   <p:embed/>
                 </p:oleObj>
               </mc:Choice>
@@ -4109,7 +4109,7 @@
           <a:graphicData uri="http://schemas.openxmlformats.org/presentationml/2006/ole">
             <mc:AlternateContent xmlns:mc="http://schemas.openxmlformats.org/markup-compatibility/2006">
               <mc:Choice xmlns:v="urn:schemas-microsoft-com:vml" Requires="v">
-                <p:oleObj spid="_x0000_s1204" name="Equation" r:id="rId13" imgW="762000" imgH="330200" progId="Equation.3">
+                <p:oleObj spid="_x0000_s1211" name="Equation" r:id="rId13" imgW="762000" imgH="330200" progId="Equation.3">
                   <p:embed/>
                 </p:oleObj>
               </mc:Choice>
@@ -4234,7 +4234,7 @@
           <a:graphicData uri="http://schemas.openxmlformats.org/presentationml/2006/ole">
             <mc:AlternateContent xmlns:mc="http://schemas.openxmlformats.org/markup-compatibility/2006">
               <mc:Choice xmlns:v="urn:schemas-microsoft-com:vml" Requires="v">
-                <p:oleObj spid="_x0000_s1205" name="Equation" r:id="rId15" imgW="1714500" imgH="685800" progId="Equation.3">
+                <p:oleObj spid="_x0000_s1212" name="Equation" r:id="rId15" imgW="1714500" imgH="685800" progId="Equation.3">
                   <p:embed/>
                 </p:oleObj>
               </mc:Choice>

--- a/gilbert/images/kmeansStep.pptx
+++ b/gilbert/images/kmeansStep.pptx
@@ -289,7 +289,7 @@
             <a:fld id="{CD66EB5A-4F37-441C-A97C-356D4BF20A1B}" type="datetimeFigureOut">
               <a:rPr lang="de-DE" smtClean="0"/>
               <a:pPr/>
-              <a:t>14/07/14</a:t>
+              <a:t>14/08/14</a:t>
             </a:fld>
             <a:endParaRPr lang="de-DE"/>
           </a:p>
@@ -456,7 +456,7 @@
             <a:fld id="{CD66EB5A-4F37-441C-A97C-356D4BF20A1B}" type="datetimeFigureOut">
               <a:rPr lang="de-DE" smtClean="0"/>
               <a:pPr/>
-              <a:t>14/07/14</a:t>
+              <a:t>14/08/14</a:t>
             </a:fld>
             <a:endParaRPr lang="de-DE"/>
           </a:p>
@@ -633,7 +633,7 @@
             <a:fld id="{CD66EB5A-4F37-441C-A97C-356D4BF20A1B}" type="datetimeFigureOut">
               <a:rPr lang="de-DE" smtClean="0"/>
               <a:pPr/>
-              <a:t>14/07/14</a:t>
+              <a:t>14/08/14</a:t>
             </a:fld>
             <a:endParaRPr lang="de-DE"/>
           </a:p>
@@ -800,7 +800,7 @@
             <a:fld id="{CD66EB5A-4F37-441C-A97C-356D4BF20A1B}" type="datetimeFigureOut">
               <a:rPr lang="de-DE" smtClean="0"/>
               <a:pPr/>
-              <a:t>14/07/14</a:t>
+              <a:t>14/08/14</a:t>
             </a:fld>
             <a:endParaRPr lang="de-DE"/>
           </a:p>
@@ -1043,7 +1043,7 @@
             <a:fld id="{CD66EB5A-4F37-441C-A97C-356D4BF20A1B}" type="datetimeFigureOut">
               <a:rPr lang="de-DE" smtClean="0"/>
               <a:pPr/>
-              <a:t>14/07/14</a:t>
+              <a:t>14/08/14</a:t>
             </a:fld>
             <a:endParaRPr lang="de-DE"/>
           </a:p>
@@ -1328,7 +1328,7 @@
             <a:fld id="{CD66EB5A-4F37-441C-A97C-356D4BF20A1B}" type="datetimeFigureOut">
               <a:rPr lang="de-DE" smtClean="0"/>
               <a:pPr/>
-              <a:t>14/07/14</a:t>
+              <a:t>14/08/14</a:t>
             </a:fld>
             <a:endParaRPr lang="de-DE"/>
           </a:p>
@@ -1747,7 +1747,7 @@
             <a:fld id="{CD66EB5A-4F37-441C-A97C-356D4BF20A1B}" type="datetimeFigureOut">
               <a:rPr lang="de-DE" smtClean="0"/>
               <a:pPr/>
-              <a:t>14/07/14</a:t>
+              <a:t>14/08/14</a:t>
             </a:fld>
             <a:endParaRPr lang="de-DE"/>
           </a:p>
@@ -1862,7 +1862,7 @@
             <a:fld id="{CD66EB5A-4F37-441C-A97C-356D4BF20A1B}" type="datetimeFigureOut">
               <a:rPr lang="de-DE" smtClean="0"/>
               <a:pPr/>
-              <a:t>14/07/14</a:t>
+              <a:t>14/08/14</a:t>
             </a:fld>
             <a:endParaRPr lang="de-DE"/>
           </a:p>
@@ -1954,7 +1954,7 @@
             <a:fld id="{CD66EB5A-4F37-441C-A97C-356D4BF20A1B}" type="datetimeFigureOut">
               <a:rPr lang="de-DE" smtClean="0"/>
               <a:pPr/>
-              <a:t>14/07/14</a:t>
+              <a:t>14/08/14</a:t>
             </a:fld>
             <a:endParaRPr lang="de-DE"/>
           </a:p>
@@ -2228,7 +2228,7 @@
             <a:fld id="{CD66EB5A-4F37-441C-A97C-356D4BF20A1B}" type="datetimeFigureOut">
               <a:rPr lang="de-DE" smtClean="0"/>
               <a:pPr/>
-              <a:t>14/07/14</a:t>
+              <a:t>14/08/14</a:t>
             </a:fld>
             <a:endParaRPr lang="de-DE"/>
           </a:p>
@@ -2478,7 +2478,7 @@
             <a:fld id="{CD66EB5A-4F37-441C-A97C-356D4BF20A1B}" type="datetimeFigureOut">
               <a:rPr lang="de-DE" smtClean="0"/>
               <a:pPr/>
-              <a:t>14/07/14</a:t>
+              <a:t>14/08/14</a:t>
             </a:fld>
             <a:endParaRPr lang="de-DE"/>
           </a:p>
@@ -2688,7 +2688,7 @@
             <a:fld id="{CD66EB5A-4F37-441C-A97C-356D4BF20A1B}" type="datetimeFigureOut">
               <a:rPr lang="de-DE" smtClean="0"/>
               <a:pPr/>
-              <a:t>14/07/14</a:t>
+              <a:t>14/08/14</a:t>
             </a:fld>
             <a:endParaRPr lang="de-DE"/>
           </a:p>
@@ -3067,7 +3067,7 @@
         </p:nvSpPr>
         <p:spPr>
           <a:xfrm>
-            <a:off x="2339752" y="5063442"/>
+            <a:off x="2339752" y="5157192"/>
             <a:ext cx="3888432" cy="504056"/>
           </a:xfrm>
           <a:prstGeom prst="roundRect">
@@ -3233,7 +3233,7 @@
           <p:nvPr>
             <p:extLst>
               <p:ext uri="{D42A27DB-BD31-4B8C-83A1-F6EECF244321}">
-                <p14:modId xmlns:p14="http://schemas.microsoft.com/office/powerpoint/2010/main" val="2974012792"/>
+                <p14:modId xmlns:p14="http://schemas.microsoft.com/office/powerpoint/2010/main" val="3917808047"/>
               </p:ext>
             </p:extLst>
           </p:nvPr>
@@ -3246,7 +3246,7 @@
           <a:graphicData uri="http://schemas.openxmlformats.org/presentationml/2006/ole">
             <mc:AlternateContent xmlns:mc="http://schemas.openxmlformats.org/markup-compatibility/2006">
               <mc:Choice xmlns:v="urn:schemas-microsoft-com:vml" Requires="v">
-                <p:oleObj spid="_x0000_s1206" name="Equation" r:id="rId3" imgW="863600" imgH="292100" progId="Equation.3">
+                <p:oleObj spid="_x0000_s1236" name="Equation" r:id="rId3" imgW="863600" imgH="292100" progId="Equation.3">
                   <p:embed/>
                 </p:oleObj>
               </mc:Choice>
@@ -3411,7 +3411,7 @@
           <p:nvPr>
             <p:extLst>
               <p:ext uri="{D42A27DB-BD31-4B8C-83A1-F6EECF244321}">
-                <p14:modId xmlns:p14="http://schemas.microsoft.com/office/powerpoint/2010/main" val="1262359099"/>
+                <p14:modId xmlns:p14="http://schemas.microsoft.com/office/powerpoint/2010/main" val="3464390184"/>
               </p:ext>
             </p:extLst>
           </p:nvPr>
@@ -3424,7 +3424,7 @@
           <a:graphicData uri="http://schemas.openxmlformats.org/presentationml/2006/ole">
             <mc:AlternateContent xmlns:mc="http://schemas.openxmlformats.org/markup-compatibility/2006">
               <mc:Choice xmlns:v="urn:schemas-microsoft-com:vml" Requires="v">
-                <p:oleObj spid="_x0000_s1207" name="Equation" r:id="rId5" imgW="952500" imgH="292100" progId="Equation.3">
+                <p:oleObj spid="_x0000_s1237" name="Equation" r:id="rId5" imgW="952500" imgH="292100" progId="Equation.3">
                   <p:embed/>
                 </p:oleObj>
               </mc:Choice>
@@ -3467,7 +3467,7 @@
         </p:nvCxnSpPr>
         <p:spPr>
           <a:xfrm flipV="1">
-            <a:off x="4283968" y="4775410"/>
+            <a:off x="4283968" y="4869160"/>
             <a:ext cx="8929" cy="273212"/>
           </a:xfrm>
           <a:prstGeom prst="straightConnector1">
@@ -3504,7 +3504,7 @@
         </p:nvSpPr>
         <p:spPr>
           <a:xfrm>
-            <a:off x="2339752" y="3983322"/>
+            <a:off x="2339752" y="4077072"/>
             <a:ext cx="3888432" cy="785818"/>
           </a:xfrm>
           <a:prstGeom prst="roundRect">
@@ -3572,7 +3572,7 @@
         </p:nvCxnSpPr>
         <p:spPr>
           <a:xfrm flipV="1">
-            <a:off x="4283968" y="3695290"/>
+            <a:off x="4283968" y="3789040"/>
             <a:ext cx="8929" cy="273212"/>
           </a:xfrm>
           <a:prstGeom prst="straightConnector1">
@@ -3609,7 +3609,7 @@
         </p:nvSpPr>
         <p:spPr>
           <a:xfrm>
-            <a:off x="2339752" y="2903202"/>
+            <a:off x="2339752" y="2996952"/>
             <a:ext cx="3888432" cy="785818"/>
           </a:xfrm>
           <a:prstGeom prst="roundRect">
@@ -3677,7 +3677,7 @@
         </p:nvSpPr>
         <p:spPr>
           <a:xfrm>
-            <a:off x="2339752" y="1535050"/>
+            <a:off x="2339752" y="1628800"/>
             <a:ext cx="3888432" cy="1080120"/>
           </a:xfrm>
           <a:prstGeom prst="roundRect">
@@ -3745,7 +3745,7 @@
         </p:nvCxnSpPr>
         <p:spPr>
           <a:xfrm flipV="1">
-            <a:off x="4283968" y="2615170"/>
+            <a:off x="4283968" y="2708920"/>
             <a:ext cx="8929" cy="273212"/>
           </a:xfrm>
           <a:prstGeom prst="straightConnector1">
@@ -3783,20 +3783,20 @@
           <p:nvPr>
             <p:extLst>
               <p:ext uri="{D42A27DB-BD31-4B8C-83A1-F6EECF244321}">
-                <p14:modId xmlns:p14="http://schemas.microsoft.com/office/powerpoint/2010/main" val="2156911088"/>
+                <p14:modId xmlns:p14="http://schemas.microsoft.com/office/powerpoint/2010/main" val="3033898327"/>
               </p:ext>
             </p:extLst>
           </p:nvPr>
         </p:nvGraphicFramePr>
         <p:xfrm>
-          <a:off x="3192463" y="4342792"/>
+          <a:off x="3192463" y="4436542"/>
           <a:ext cx="2209800" cy="381000"/>
         </p:xfrm>
         <a:graphic>
           <a:graphicData uri="http://schemas.openxmlformats.org/presentationml/2006/ole">
             <mc:AlternateContent xmlns:mc="http://schemas.openxmlformats.org/markup-compatibility/2006">
               <mc:Choice xmlns:v="urn:schemas-microsoft-com:vml" Requires="v">
-                <p:oleObj spid="_x0000_s1208" name="Equation" r:id="rId7" imgW="2209800" imgH="381000" progId="Equation.3">
+                <p:oleObj spid="_x0000_s1238" name="Equation" r:id="rId7" imgW="2209800" imgH="381000" progId="Equation.3">
                   <p:embed/>
                 </p:oleObj>
               </mc:Choice>
@@ -3817,7 +3817,7 @@
                     </p:blipFill>
                     <p:spPr>
                       <a:xfrm>
-                        <a:off x="3192463" y="4342792"/>
+                        <a:off x="3192463" y="4436542"/>
                         <a:ext cx="2209800" cy="381000"/>
                       </a:xfrm>
                       <a:prstGeom prst="rect">
@@ -3840,20 +3840,20 @@
           <p:nvPr>
             <p:extLst>
               <p:ext uri="{D42A27DB-BD31-4B8C-83A1-F6EECF244321}">
-                <p14:modId xmlns:p14="http://schemas.microsoft.com/office/powerpoint/2010/main" val="2822769791"/>
+                <p14:modId xmlns:p14="http://schemas.microsoft.com/office/powerpoint/2010/main" val="2213845118"/>
               </p:ext>
             </p:extLst>
           </p:nvPr>
         </p:nvGraphicFramePr>
         <p:xfrm>
-          <a:off x="3927475" y="3334729"/>
+          <a:off x="3927475" y="3428479"/>
           <a:ext cx="635000" cy="330200"/>
         </p:xfrm>
         <a:graphic>
           <a:graphicData uri="http://schemas.openxmlformats.org/presentationml/2006/ole">
             <mc:AlternateContent xmlns:mc="http://schemas.openxmlformats.org/markup-compatibility/2006">
               <mc:Choice xmlns:v="urn:schemas-microsoft-com:vml" Requires="v">
-                <p:oleObj spid="_x0000_s1209" name="Equation" r:id="rId9" imgW="635000" imgH="330200" progId="Equation.3">
+                <p:oleObj spid="_x0000_s1239" name="Equation" r:id="rId9" imgW="635000" imgH="330200" progId="Equation.3">
                   <p:embed/>
                 </p:oleObj>
               </mc:Choice>
@@ -3874,7 +3874,7 @@
                     </p:blipFill>
                     <p:spPr>
                       <a:xfrm>
-                        <a:off x="3927475" y="3334729"/>
+                        <a:off x="3927475" y="3428479"/>
                         <a:ext cx="635000" cy="330200"/>
                       </a:xfrm>
                       <a:prstGeom prst="rect">
@@ -3897,25 +3897,25 @@
           <p:nvPr>
             <p:extLst>
               <p:ext uri="{D42A27DB-BD31-4B8C-83A1-F6EECF244321}">
-                <p14:modId xmlns:p14="http://schemas.microsoft.com/office/powerpoint/2010/main" val="3756628217"/>
+                <p14:modId xmlns:p14="http://schemas.microsoft.com/office/powerpoint/2010/main" val="2477704110"/>
               </p:ext>
             </p:extLst>
           </p:nvPr>
         </p:nvGraphicFramePr>
         <p:xfrm>
-          <a:off x="3140075" y="2009167"/>
-          <a:ext cx="2247900" cy="457200"/>
+          <a:off x="3171825" y="2103438"/>
+          <a:ext cx="2184400" cy="457200"/>
         </p:xfrm>
         <a:graphic>
           <a:graphicData uri="http://schemas.openxmlformats.org/presentationml/2006/ole">
             <mc:AlternateContent xmlns:mc="http://schemas.openxmlformats.org/markup-compatibility/2006">
               <mc:Choice xmlns:v="urn:schemas-microsoft-com:vml" Requires="v">
-                <p:oleObj spid="_x0000_s1210" name="Equation" r:id="rId11" imgW="2247900" imgH="457200" progId="Equation.3">
+                <p:oleObj spid="_x0000_s1240" name="Equation" r:id="rId11" imgW="2184400" imgH="457200" progId="Equation.3">
                   <p:embed/>
                 </p:oleObj>
               </mc:Choice>
               <mc:Fallback>
-                <p:oleObj name="Equation" r:id="rId11" imgW="2247900" imgH="457200" progId="Equation.3">
+                <p:oleObj name="Equation" r:id="rId11" imgW="2184400" imgH="457200" progId="Equation.3">
                   <p:embed/>
                   <p:pic>
                     <p:nvPicPr>
@@ -3931,8 +3931,8 @@
                     </p:blipFill>
                     <p:spPr>
                       <a:xfrm>
-                        <a:off x="3140075" y="2009167"/>
-                        <a:ext cx="2247900" cy="457200"/>
+                        <a:off x="3171825" y="2103438"/>
+                        <a:ext cx="2184400" cy="457200"/>
                       </a:xfrm>
                       <a:prstGeom prst="rect">
                         <a:avLst/>
@@ -3953,7 +3953,7 @@
         </p:nvCxnSpPr>
         <p:spPr>
           <a:xfrm flipV="1">
-            <a:off x="4283968" y="1268760"/>
+            <a:off x="4283968" y="1362510"/>
             <a:ext cx="8929" cy="273212"/>
           </a:xfrm>
           <a:prstGeom prst="straightConnector1">
@@ -3990,7 +3990,7 @@
         </p:nvSpPr>
         <p:spPr>
           <a:xfrm>
-            <a:off x="2339752" y="476672"/>
+            <a:off x="2339752" y="570422"/>
             <a:ext cx="3888432" cy="785818"/>
           </a:xfrm>
           <a:prstGeom prst="roundRect">
@@ -4058,7 +4058,7 @@
         </p:nvCxnSpPr>
         <p:spPr>
           <a:xfrm flipV="1">
-            <a:off x="4283968" y="188640"/>
+            <a:off x="4283968" y="282390"/>
             <a:ext cx="8929" cy="273212"/>
           </a:xfrm>
           <a:prstGeom prst="straightConnector1">
@@ -4096,20 +4096,20 @@
           <p:nvPr>
             <p:extLst>
               <p:ext uri="{D42A27DB-BD31-4B8C-83A1-F6EECF244321}">
-                <p14:modId xmlns:p14="http://schemas.microsoft.com/office/powerpoint/2010/main" val="2299887007"/>
+                <p14:modId xmlns:p14="http://schemas.microsoft.com/office/powerpoint/2010/main" val="1928011005"/>
               </p:ext>
             </p:extLst>
           </p:nvPr>
         </p:nvGraphicFramePr>
         <p:xfrm>
-          <a:off x="3863975" y="907852"/>
+          <a:off x="3863975" y="1001602"/>
           <a:ext cx="762000" cy="330200"/>
         </p:xfrm>
         <a:graphic>
           <a:graphicData uri="http://schemas.openxmlformats.org/presentationml/2006/ole">
             <mc:AlternateContent xmlns:mc="http://schemas.openxmlformats.org/markup-compatibility/2006">
               <mc:Choice xmlns:v="urn:schemas-microsoft-com:vml" Requires="v">
-                <p:oleObj spid="_x0000_s1211" name="Equation" r:id="rId13" imgW="762000" imgH="330200" progId="Equation.3">
+                <p:oleObj spid="_x0000_s1241" name="Equation" r:id="rId13" imgW="762000" imgH="330200" progId="Equation.3">
                   <p:embed/>
                 </p:oleObj>
               </mc:Choice>
@@ -4130,7 +4130,7 @@
                     </p:blipFill>
                     <p:spPr>
                       <a:xfrm>
-                        <a:off x="3863975" y="907852"/>
+                        <a:off x="3863975" y="1001602"/>
                         <a:ext cx="762000" cy="330200"/>
                       </a:xfrm>
                       <a:prstGeom prst="rect">
@@ -4152,7 +4152,7 @@
         </p:nvSpPr>
         <p:spPr>
           <a:xfrm>
-            <a:off x="2339752" y="-891480"/>
+            <a:off x="2339752" y="-797730"/>
             <a:ext cx="3888432" cy="1080120"/>
           </a:xfrm>
           <a:prstGeom prst="roundRect">
@@ -4221,25 +4221,25 @@
           <p:nvPr>
             <p:extLst>
               <p:ext uri="{D42A27DB-BD31-4B8C-83A1-F6EECF244321}">
-                <p14:modId xmlns:p14="http://schemas.microsoft.com/office/powerpoint/2010/main" val="2775160491"/>
+                <p14:modId xmlns:p14="http://schemas.microsoft.com/office/powerpoint/2010/main" val="1534322996"/>
               </p:ext>
             </p:extLst>
           </p:nvPr>
         </p:nvGraphicFramePr>
         <p:xfrm>
-          <a:off x="3398838" y="-501650"/>
-          <a:ext cx="1714500" cy="685800"/>
+          <a:off x="3392488" y="-407988"/>
+          <a:ext cx="1727200" cy="685801"/>
         </p:xfrm>
         <a:graphic>
           <a:graphicData uri="http://schemas.openxmlformats.org/presentationml/2006/ole">
             <mc:AlternateContent xmlns:mc="http://schemas.openxmlformats.org/markup-compatibility/2006">
               <mc:Choice xmlns:v="urn:schemas-microsoft-com:vml" Requires="v">
-                <p:oleObj spid="_x0000_s1212" name="Equation" r:id="rId15" imgW="1714500" imgH="685800" progId="Equation.3">
+                <p:oleObj spid="_x0000_s1242" name="Equation" r:id="rId15" imgW="1727200" imgH="685800" progId="Equation.3">
                   <p:embed/>
                 </p:oleObj>
               </mc:Choice>
               <mc:Fallback>
-                <p:oleObj name="Equation" r:id="rId15" imgW="1714500" imgH="685800" progId="Equation.3">
+                <p:oleObj name="Equation" r:id="rId15" imgW="1727200" imgH="685800" progId="Equation.3">
                   <p:embed/>
                   <p:pic>
                     <p:nvPicPr>
@@ -4255,8 +4255,8 @@
                     </p:blipFill>
                     <p:spPr>
                       <a:xfrm>
-                        <a:off x="3398838" y="-501650"/>
-                        <a:ext cx="1714500" cy="685800"/>
+                        <a:off x="3392488" y="-407988"/>
+                        <a:ext cx="1727200" cy="685801"/>
                       </a:xfrm>
                       <a:prstGeom prst="rect">
                         <a:avLst/>
